--- a/Hotel Booking.pptx
+++ b/Hotel Booking.pptx
@@ -11758,7 +11758,7 @@
               <a:t>Which are the most cancelled </a:t>
             </a:r>
             <a:r>
-              <a:rPr lang="en-US" sz="1400" dirty="0">
+              <a:rPr lang="en-US" sz="1400">
                 <a:solidFill>
                   <a:schemeClr val="hlink"/>
                 </a:solidFill>
@@ -11768,21 +11768,6 @@
               </a:rPr>
               <a:t>year?</a:t>
             </a:r>
-          </a:p>
-          <a:p>
-            <a:pPr marL="139700" marR="50800" lvl="0" indent="0" algn="l" rtl="0">
-              <a:lnSpc>
-                <a:spcPct val="100000"/>
-              </a:lnSpc>
-              <a:spcBef>
-                <a:spcPts val="0"/>
-              </a:spcBef>
-              <a:spcAft>
-                <a:spcPts val="0"/>
-              </a:spcAft>
-              <a:buSzPts val="1400"/>
-              <a:buNone/>
-            </a:pPr>
             <a:endParaRPr lang="en-US" sz="1400" dirty="0">
               <a:solidFill>
                 <a:schemeClr val="hlink"/>
@@ -12002,6 +11987,54 @@
           </a:prstGeom>
         </p:spPr>
       </p:pic>
+      <p:sp>
+        <p:nvSpPr>
+          <p:cNvPr id="6" name="مربع نص 5">
+            <a:extLst>
+              <a:ext uri="{FF2B5EF4-FFF2-40B4-BE49-F238E27FC236}">
+                <a16:creationId xmlns:a16="http://schemas.microsoft.com/office/drawing/2014/main" id="{E37E6288-ED11-43C2-B64A-B50CBF7D0F94}"/>
+              </a:ext>
+            </a:extLst>
+          </p:cNvPr>
+          <p:cNvSpPr txBox="1"/>
+          <p:nvPr/>
+        </p:nvSpPr>
+        <p:spPr>
+          <a:xfrm>
+            <a:off x="-405661" y="399005"/>
+            <a:ext cx="4572000" cy="307777"/>
+          </a:xfrm>
+          <a:prstGeom prst="rect">
+            <a:avLst/>
+          </a:prstGeom>
+          <a:noFill/>
+        </p:spPr>
+        <p:txBody>
+          <a:bodyPr wrap="square">
+            <a:spAutoFit/>
+          </a:bodyPr>
+          <a:lstStyle/>
+          <a:p>
+            <a:pPr marL="0" lvl="0" indent="0" algn="ctr" rtl="0">
+              <a:spcBef>
+                <a:spcPts val="0"/>
+              </a:spcBef>
+              <a:spcAft>
+                <a:spcPts val="0"/>
+              </a:spcAft>
+              <a:buNone/>
+            </a:pPr>
+            <a:r>
+              <a:rPr lang="en-US" dirty="0">
+                <a:solidFill>
+                  <a:schemeClr val="tx1"/>
+                </a:solidFill>
+              </a:rPr>
+              <a:t>Analysis Result</a:t>
+            </a:r>
+          </a:p>
+        </p:txBody>
+      </p:sp>
     </p:spTree>
     <p:extLst>
       <p:ext uri="{BB962C8B-B14F-4D97-AF65-F5344CB8AC3E}">
